--- a/i148 - O Holy Night.pptx
+++ b/i148 - O Holy Night.pptx
@@ -3677,7 +3677,7 @@
                   <a:schemeClr val="bg1"/>
                 </a:solidFill>
               </a:rPr>
-              <a:t>Crist is the Lord, O praise His name forever!</a:t>
+              <a:t>Christ is the Lord, O praise His name forever!</a:t>
             </a:r>
           </a:p>
           <a:p>
